--- a/FL+BP+ES/INFORME PROYECTO Computación Blanda.pptx
+++ b/FL+BP+ES/INFORME PROYECTO Computación Blanda.pptx
@@ -217,7 +217,7 @@
           <a:p>
             <a:fld id="{D1061BA3-A17D-4F1D-B028-649E4C2D9998}" type="datetimeFigureOut">
               <a:rPr lang="es-CO" smtClean="0"/>
-              <a:t>21/06/2019</a:t>
+              <a:t>25/06/2019</a:t>
             </a:fld>
             <a:endParaRPr lang="es-CO"/>
           </a:p>
@@ -3919,7 +3919,7 @@
                 </a:solidFill>
                 <a:latin typeface="Calibri"/>
               </a:rPr>
-              <a:t>21/06/2019</a:t>
+              <a:t>25/06/2019</a:t>
             </a:fld>
             <a:endParaRPr lang="es-CO" sz="1200" b="0" strike="noStrike" spc="-1">
               <a:latin typeface="Times New Roman"/>
@@ -4454,7 +4454,7 @@
                 </a:solidFill>
                 <a:latin typeface="Calibri"/>
               </a:rPr>
-              <a:t>21/06/2019</a:t>
+              <a:t>25/06/2019</a:t>
             </a:fld>
             <a:endParaRPr lang="es-CO" sz="1200" b="0" strike="noStrike" spc="-1">
               <a:latin typeface="Times New Roman"/>
@@ -4734,27 +4734,7 @@
                 <a:latin typeface="Cambria Math"/>
                 <a:ea typeface="Cambria Math"/>
               </a:rPr>
-              <a:t>COMPUTACIÓN BLANDA – </a:t>
-            </a:r>
-            <a:r>
-              <a:rPr lang="es-CO" sz="3200" spc="-1" dirty="0" smtClean="0">
-                <a:solidFill>
-                  <a:srgbClr val="000000"/>
-                </a:solidFill>
-                <a:latin typeface="Cambria Math"/>
-                <a:ea typeface="Cambria Math"/>
-              </a:rPr>
-              <a:t>Junio 21 de </a:t>
-            </a:r>
-            <a:r>
-              <a:rPr lang="es-CO" sz="3200" spc="-1" dirty="0" smtClean="0">
-                <a:solidFill>
-                  <a:srgbClr val="000000"/>
-                </a:solidFill>
-                <a:latin typeface="Cambria Math"/>
-                <a:ea typeface="Cambria Math"/>
-              </a:rPr>
-              <a:t>2019</a:t>
+              <a:t>COMPUTACIÓN BLANDA – Junio 21 de 2019</a:t>
             </a:r>
             <a:endParaRPr lang="es-CO" sz="3200" b="0" strike="noStrike" spc="-1" dirty="0">
               <a:latin typeface="Arial"/>
@@ -5402,27 +5382,7 @@
                 <a:latin typeface="Arial"/>
                 <a:ea typeface="ＭＳ Ｐゴシック"/>
               </a:rPr>
-              <a:t>3. </a:t>
-            </a:r>
-            <a:r>
-              <a:rPr lang="es-CO" sz="2800" b="0" strike="noStrike" spc="-1" dirty="0" smtClean="0">
-                <a:solidFill>
-                  <a:srgbClr val="C0504D"/>
-                </a:solidFill>
-                <a:latin typeface="Arial"/>
-                <a:ea typeface="ＭＳ Ｐゴシック"/>
-              </a:rPr>
-              <a:t>Código del </a:t>
-            </a:r>
-            <a:r>
-              <a:rPr lang="es-CO" sz="2800" b="0" strike="noStrike" spc="-1" dirty="0" smtClean="0">
-                <a:solidFill>
-                  <a:srgbClr val="C0504D"/>
-                </a:solidFill>
-                <a:latin typeface="Arial"/>
-                <a:ea typeface="ＭＳ Ｐゴシック"/>
-              </a:rPr>
-              <a:t>proyecto</a:t>
+              <a:t>3. Código del proyecto</a:t>
             </a:r>
             <a:endParaRPr lang="es-CO" sz="2800" b="0" strike="noStrike" spc="-1" dirty="0">
               <a:latin typeface="Arial"/>
@@ -6298,7 +6258,7 @@
         <p:spPr>
           <a:xfrm>
             <a:off x="653538" y="2852737"/>
-            <a:ext cx="10771327" cy="1569660"/>
+            <a:ext cx="10771327" cy="1938992"/>
           </a:xfrm>
           <a:prstGeom prst="rect">
             <a:avLst/>
@@ -6338,6 +6298,17 @@
             <a:r>
               <a:rPr lang="es-CO" sz="2400" dirty="0" err="1" smtClean="0"/>
               <a:t>FuzzyLite</a:t>
+            </a:r>
+            <a:endParaRPr lang="es-CO" sz="2400" dirty="0" smtClean="0"/>
+          </a:p>
+          <a:p>
+            <a:pPr marL="800100" lvl="1" indent="-342900">
+              <a:buFont typeface="Arial" panose="020B0604020202020204" pitchFamily="34" charset="0"/>
+              <a:buChar char="•"/>
+            </a:pPr>
+            <a:r>
+              <a:rPr lang="es-CO" sz="2400" dirty="0" err="1" smtClean="0"/>
+              <a:t>PyDatalog</a:t>
             </a:r>
             <a:endParaRPr lang="es-CO" sz="2400" dirty="0" smtClean="0"/>
           </a:p>
@@ -6438,17 +6409,7 @@
                 <a:latin typeface="Arial"/>
                 <a:ea typeface="ＭＳ Ｐゴシック"/>
               </a:rPr>
-              <a:t>3. </a:t>
-            </a:r>
-            <a:r>
-              <a:rPr lang="es-CO" sz="2900" b="1" strike="noStrike" spc="-1" dirty="0" smtClean="0">
-                <a:solidFill>
-                  <a:srgbClr val="C0504D"/>
-                </a:solidFill>
-                <a:latin typeface="Arial"/>
-                <a:ea typeface="ＭＳ Ｐゴシック"/>
-              </a:rPr>
-              <a:t>Código del Proyecto</a:t>
+              <a:t>3. Código del Proyecto</a:t>
             </a:r>
             <a:endParaRPr lang="es-CO" sz="2900" b="0" strike="noStrike" spc="-1" dirty="0">
               <a:solidFill>
@@ -6959,11 +6920,7 @@
           <a:p>
             <a:r>
               <a:rPr lang="es-ES" dirty="0"/>
-              <a:t>Al utilizar las técnicas algorítmicas de la lógica difusa que nos permite lidiar con incertidumbres en la evaluación de </a:t>
-            </a:r>
-            <a:r>
-              <a:rPr lang="es-ES" dirty="0"/>
-              <a:t> </a:t>
+              <a:t>Al utilizar las técnicas algorítmicas de la lógica difusa que nos permite lidiar con incertidumbres en la evaluación de  </a:t>
             </a:r>
             <a:r>
               <a:rPr lang="es-ES" dirty="0" smtClean="0"/>
@@ -6978,26 +6935,20 @@
               <a:t>neuronales con </a:t>
             </a:r>
             <a:r>
-              <a:rPr lang="es-ES" dirty="0"/>
+              <a:rPr lang="es-ES" dirty="0" smtClean="0"/>
               <a:t>Backpropagation.</a:t>
             </a:r>
-            <a:endParaRPr lang="es-CO" dirty="0"/>
-          </a:p>
-          <a:p>
             <a:r>
-              <a:rPr lang="es-ES" dirty="0"/>
-              <a:t> </a:t>
+              <a:rPr lang="es-CO" dirty="0"/>
+              <a:t> </a:t>
             </a:r>
-            <a:endParaRPr lang="es-CO" dirty="0"/>
-          </a:p>
-          <a:p>
             <a:r>
-              <a:rPr lang="es-ES" dirty="0"/>
-              <a:t>En los resultados del proyecto se logró obtener una probabilidad de accidentalidad en carretera basado en entradas </a:t>
+              <a:rPr lang="es-ES" dirty="0" smtClean="0"/>
+              <a:t>En </a:t>
             </a:r>
             <a:r>
               <a:rPr lang="es-ES" dirty="0"/>
-              <a:t> </a:t>
+              <a:t>los resultados del proyecto se logró obtener una probabilidad de accidentalidad en carretera basado en entradas  </a:t>
             </a:r>
             <a:r>
               <a:rPr lang="es-ES" dirty="0" smtClean="0"/>
@@ -7005,11 +6956,7 @@
             </a:r>
             <a:r>
               <a:rPr lang="es-ES" dirty="0"/>
-              <a:t>transformadas con lógica difusa (mucho, poco, nada) a enteros que pudiesen ser trabajados con los </a:t>
-            </a:r>
-            <a:r>
-              <a:rPr lang="es-ES" dirty="0"/>
-              <a:t> </a:t>
+              <a:t>transformadas con lógica difusa (mucho, poco, nada) a enteros que pudiesen ser trabajados con los  </a:t>
             </a:r>
             <a:r>
               <a:rPr lang="es-ES" dirty="0" smtClean="0"/>
@@ -7025,20 +6972,57 @@
             </a:r>
           </a:p>
           <a:p>
-            <a:endParaRPr lang="es-CO" dirty="0"/>
+            <a:endParaRPr lang="es-ES" dirty="0"/>
+          </a:p>
+          <a:p>
+            <a:endParaRPr lang="es-ES" dirty="0" smtClean="0"/>
           </a:p>
           <a:p>
             <a:r>
               <a:rPr lang="es-CO" u="sng" dirty="0" smtClean="0"/>
-              <a:t>Entrada de Prueba:</a:t>
+              <a:t>Entrada </a:t>
+            </a:r>
+            <a:r>
+              <a:rPr lang="es-CO" u="sng" dirty="0" smtClean="0"/>
+              <a:t>de Prueba:</a:t>
             </a:r>
             <a:endParaRPr lang="es-CO" u="sng" dirty="0"/>
           </a:p>
         </p:txBody>
       </p:sp>
+      <p:sp>
+        <p:nvSpPr>
+          <p:cNvPr id="9" name="TextBox 8"/>
+          <p:cNvSpPr txBox="1"/>
+          <p:nvPr/>
+        </p:nvSpPr>
+        <p:spPr>
+          <a:xfrm>
+            <a:off x="6456040" y="3397143"/>
+            <a:ext cx="2198038" cy="369332"/>
+          </a:xfrm>
+          <a:prstGeom prst="rect">
+            <a:avLst/>
+          </a:prstGeom>
+          <a:noFill/>
+        </p:spPr>
+        <p:txBody>
+          <a:bodyPr wrap="none" rtlCol="0">
+            <a:spAutoFit/>
+          </a:bodyPr>
+          <a:lstStyle/>
+          <a:p>
+            <a:r>
+              <a:rPr lang="es-CO" u="sng" dirty="0" smtClean="0"/>
+              <a:t>Salida de la Prueba</a:t>
+            </a:r>
+            <a:endParaRPr lang="es-CO" u="sng" dirty="0"/>
+          </a:p>
+        </p:txBody>
+      </p:sp>
       <p:pic>
         <p:nvPicPr>
-          <p:cNvPr id="4" name="Picture 3"/>
+          <p:cNvPr id="2" name="Picture 1"/>
           <p:cNvPicPr>
             <a:picLocks noChangeAspect="1"/>
           </p:cNvPicPr>
@@ -7052,8 +7036,8 @@
         </p:blipFill>
         <p:spPr>
           <a:xfrm>
-            <a:off x="407368" y="5013176"/>
-            <a:ext cx="9286875" cy="1524000"/>
+            <a:off x="407368" y="3864296"/>
+            <a:ext cx="5314950" cy="1228725"/>
           </a:xfrm>
           <a:prstGeom prst="rect">
             <a:avLst/>
@@ -7062,7 +7046,7 @@
       </p:pic>
       <p:pic>
         <p:nvPicPr>
-          <p:cNvPr id="6" name="Picture 5"/>
+          <p:cNvPr id="5" name="Picture 4"/>
           <p:cNvPicPr>
             <a:picLocks noChangeAspect="1"/>
           </p:cNvPicPr>
@@ -7076,44 +7060,14 @@
         </p:blipFill>
         <p:spPr>
           <a:xfrm>
-            <a:off x="407368" y="3853320"/>
-            <a:ext cx="5924550" cy="409575"/>
+            <a:off x="6529172" y="3864296"/>
+            <a:ext cx="5438775" cy="2171700"/>
           </a:xfrm>
           <a:prstGeom prst="rect">
             <a:avLst/>
           </a:prstGeom>
         </p:spPr>
       </p:pic>
-      <p:sp>
-        <p:nvSpPr>
-          <p:cNvPr id="9" name="TextBox 8"/>
-          <p:cNvSpPr txBox="1"/>
-          <p:nvPr/>
-        </p:nvSpPr>
-        <p:spPr>
-          <a:xfrm>
-            <a:off x="301666" y="4453369"/>
-            <a:ext cx="2198038" cy="369332"/>
-          </a:xfrm>
-          <a:prstGeom prst="rect">
-            <a:avLst/>
-          </a:prstGeom>
-          <a:noFill/>
-        </p:spPr>
-        <p:txBody>
-          <a:bodyPr wrap="none" rtlCol="0">
-            <a:spAutoFit/>
-          </a:bodyPr>
-          <a:lstStyle/>
-          <a:p>
-            <a:r>
-              <a:rPr lang="es-CO" u="sng" dirty="0" smtClean="0"/>
-              <a:t>Salida de la Prueba</a:t>
-            </a:r>
-            <a:endParaRPr lang="es-CO" u="sng" dirty="0"/>
-          </a:p>
-        </p:txBody>
-      </p:sp>
     </p:spTree>
     <p:extLst>
       <p:ext uri="{BB962C8B-B14F-4D97-AF65-F5344CB8AC3E}">
